--- a/Presentación1.pptx
+++ b/Presentación1.pptx
@@ -104,6 +104,11 @@
       </a:defRPr>
     </a:lvl9pPr>
   </p:defaultTextStyle>
+  <p:extLst>
+    <p:ext uri="{EFAFB233-063F-42B5-8137-9DF3F51BA10A}">
+      <p15:sldGuideLst xmlns:p15="http://schemas.microsoft.com/office/powerpoint/2012/main"/>
+    </p:ext>
+  </p:extLst>
 </p:presentation>
 </file>
 
@@ -238,7 +243,7 @@
           <a:p>
             <a:fld id="{B3E5FCFE-C787-4FAC-9CC5-5B2103D354B0}" type="datetimeFigureOut">
               <a:rPr lang="es-CO" smtClean="0"/>
-              <a:t>5/04/2022</a:t>
+              <a:t>20/04/2022</a:t>
             </a:fld>
             <a:endParaRPr lang="es-CO"/>
           </a:p>
@@ -408,7 +413,7 @@
           <a:p>
             <a:fld id="{B3E5FCFE-C787-4FAC-9CC5-5B2103D354B0}" type="datetimeFigureOut">
               <a:rPr lang="es-CO" smtClean="0"/>
-              <a:t>5/04/2022</a:t>
+              <a:t>20/04/2022</a:t>
             </a:fld>
             <a:endParaRPr lang="es-CO"/>
           </a:p>
@@ -588,7 +593,7 @@
           <a:p>
             <a:fld id="{B3E5FCFE-C787-4FAC-9CC5-5B2103D354B0}" type="datetimeFigureOut">
               <a:rPr lang="es-CO" smtClean="0"/>
-              <a:t>5/04/2022</a:t>
+              <a:t>20/04/2022</a:t>
             </a:fld>
             <a:endParaRPr lang="es-CO"/>
           </a:p>
@@ -758,7 +763,7 @@
           <a:p>
             <a:fld id="{B3E5FCFE-C787-4FAC-9CC5-5B2103D354B0}" type="datetimeFigureOut">
               <a:rPr lang="es-CO" smtClean="0"/>
-              <a:t>5/04/2022</a:t>
+              <a:t>20/04/2022</a:t>
             </a:fld>
             <a:endParaRPr lang="es-CO"/>
           </a:p>
@@ -1004,7 +1009,7 @@
           <a:p>
             <a:fld id="{B3E5FCFE-C787-4FAC-9CC5-5B2103D354B0}" type="datetimeFigureOut">
               <a:rPr lang="es-CO" smtClean="0"/>
-              <a:t>5/04/2022</a:t>
+              <a:t>20/04/2022</a:t>
             </a:fld>
             <a:endParaRPr lang="es-CO"/>
           </a:p>
@@ -1236,7 +1241,7 @@
           <a:p>
             <a:fld id="{B3E5FCFE-C787-4FAC-9CC5-5B2103D354B0}" type="datetimeFigureOut">
               <a:rPr lang="es-CO" smtClean="0"/>
-              <a:t>5/04/2022</a:t>
+              <a:t>20/04/2022</a:t>
             </a:fld>
             <a:endParaRPr lang="es-CO"/>
           </a:p>
@@ -1603,7 +1608,7 @@
           <a:p>
             <a:fld id="{B3E5FCFE-C787-4FAC-9CC5-5B2103D354B0}" type="datetimeFigureOut">
               <a:rPr lang="es-CO" smtClean="0"/>
-              <a:t>5/04/2022</a:t>
+              <a:t>20/04/2022</a:t>
             </a:fld>
             <a:endParaRPr lang="es-CO"/>
           </a:p>
@@ -1721,7 +1726,7 @@
           <a:p>
             <a:fld id="{B3E5FCFE-C787-4FAC-9CC5-5B2103D354B0}" type="datetimeFigureOut">
               <a:rPr lang="es-CO" smtClean="0"/>
-              <a:t>5/04/2022</a:t>
+              <a:t>20/04/2022</a:t>
             </a:fld>
             <a:endParaRPr lang="es-CO"/>
           </a:p>
@@ -1816,7 +1821,7 @@
           <a:p>
             <a:fld id="{B3E5FCFE-C787-4FAC-9CC5-5B2103D354B0}" type="datetimeFigureOut">
               <a:rPr lang="es-CO" smtClean="0"/>
-              <a:t>5/04/2022</a:t>
+              <a:t>20/04/2022</a:t>
             </a:fld>
             <a:endParaRPr lang="es-CO"/>
           </a:p>
@@ -2093,7 +2098,7 @@
           <a:p>
             <a:fld id="{B3E5FCFE-C787-4FAC-9CC5-5B2103D354B0}" type="datetimeFigureOut">
               <a:rPr lang="es-CO" smtClean="0"/>
-              <a:t>5/04/2022</a:t>
+              <a:t>20/04/2022</a:t>
             </a:fld>
             <a:endParaRPr lang="es-CO"/>
           </a:p>
@@ -2346,7 +2351,7 @@
           <a:p>
             <a:fld id="{B3E5FCFE-C787-4FAC-9CC5-5B2103D354B0}" type="datetimeFigureOut">
               <a:rPr lang="es-CO" smtClean="0"/>
-              <a:t>5/04/2022</a:t>
+              <a:t>20/04/2022</a:t>
             </a:fld>
             <a:endParaRPr lang="es-CO"/>
           </a:p>
@@ -2559,7 +2564,7 @@
           <a:p>
             <a:fld id="{B3E5FCFE-C787-4FAC-9CC5-5B2103D354B0}" type="datetimeFigureOut">
               <a:rPr lang="es-CO" smtClean="0"/>
-              <a:t>5/04/2022</a:t>
+              <a:t>20/04/2022</a:t>
             </a:fld>
             <a:endParaRPr lang="es-CO"/>
           </a:p>
@@ -2964,122 +2969,175 @@
           <a:chExt cx="0" cy="0"/>
         </a:xfrm>
       </p:grpSpPr>
-      <p:pic>
-        <p:nvPicPr>
-          <p:cNvPr id="1028" name="Picture 4" descr="Watch Dogs: Legion en PS4, Xbox One, PC, Stadia | Ubisoft (MX)"/>
-          <p:cNvPicPr>
-            <a:picLocks noChangeAspect="1" noChangeArrowheads="1"/>
-          </p:cNvPicPr>
+      <p:grpSp>
+        <p:nvGrpSpPr>
+          <p:cNvPr id="3" name="Grupo 2"/>
+          <p:cNvGrpSpPr/>
           <p:nvPr/>
-        </p:nvPicPr>
-        <p:blipFill>
-          <a:blip r:embed="rId2">
+        </p:nvGrpSpPr>
+        <p:grpSpPr>
+          <a:xfrm>
+            <a:off x="242047" y="-1"/>
+            <a:ext cx="13218459" cy="6858001"/>
+            <a:chOff x="242047" y="-1"/>
+            <a:chExt cx="13218459" cy="6858001"/>
+          </a:xfrm>
+        </p:grpSpPr>
+        <p:pic>
+          <p:nvPicPr>
+            <p:cNvPr id="1028" name="Picture 4" descr="Watch Dogs: Legion en PS4, Xbox One, PC, Stadia | Ubisoft (MX)"/>
+            <p:cNvPicPr>
+              <a:picLocks noChangeAspect="1" noChangeArrowheads="1"/>
+            </p:cNvPicPr>
+            <p:nvPr/>
+          </p:nvPicPr>
+          <p:blipFill rotWithShape="1">
+            <a:blip r:embed="rId2">
+              <a:extLst>
+                <a:ext uri="{28A0092B-C50C-407E-A947-70E740481C1C}">
+                  <a14:useLocalDpi xmlns:a14="http://schemas.microsoft.com/office/drawing/2010/main" val="0"/>
+                </a:ext>
+              </a:extLst>
+            </a:blip>
+            <a:srcRect r="31810"/>
+            <a:stretch/>
+          </p:blipFill>
+          <p:spPr bwMode="auto">
+            <a:xfrm>
+              <a:off x="5146764" y="-1"/>
+              <a:ext cx="8313742" cy="6858001"/>
+            </a:xfrm>
+            <a:prstGeom prst="rect">
+              <a:avLst/>
+            </a:prstGeom>
+            <a:noFill/>
             <a:extLst>
-              <a:ext uri="{28A0092B-C50C-407E-A947-70E740481C1C}">
-                <a14:useLocalDpi xmlns:a14="http://schemas.microsoft.com/office/drawing/2010/main" val="0"/>
+              <a:ext uri="{909E8E84-426E-40DD-AFC4-6F175D3DCCD1}">
+                <a14:hiddenFill xmlns:a14="http://schemas.microsoft.com/office/drawing/2010/main">
+                  <a:solidFill>
+                    <a:srgbClr val="FFFFFF"/>
+                  </a:solidFill>
+                </a14:hiddenFill>
               </a:ext>
             </a:extLst>
-          </a:blip>
-          <a:srcRect/>
-          <a:stretch>
-            <a:fillRect/>
-          </a:stretch>
-        </p:blipFill>
-        <p:spPr bwMode="auto">
+          </p:spPr>
+        </p:pic>
+        <p:pic>
+          <p:nvPicPr>
+            <p:cNvPr id="5" name="Imagen 4"/>
+            <p:cNvPicPr>
+              <a:picLocks noChangeAspect="1"/>
+            </p:cNvPicPr>
+            <p:nvPr/>
+          </p:nvPicPr>
+          <p:blipFill rotWithShape="1">
+            <a:blip r:embed="rId3">
+              <a:extLst>
+                <a:ext uri="{BEBA8EAE-BF5A-486C-A8C5-ECC9F3942E4B}">
+                  <a14:imgProps xmlns:a14="http://schemas.microsoft.com/office/drawing/2010/main">
+                    <a14:imgLayer r:embed="rId4">
+                      <a14:imgEffect>
+                        <a14:backgroundRemoval t="0" b="100000" l="0" r="100000">
+                          <a14:foregroundMark x1="59556" y1="43556" x2="61333" y2="38667"/>
+                          <a14:foregroundMark x1="57333" y1="48444" x2="62222" y2="51111"/>
+                          <a14:foregroundMark x1="34222" y1="87111" x2="30222" y2="98667"/>
+                          <a14:foregroundMark x1="4000" y1="4444" x2="6222" y2="41778"/>
+                          <a14:foregroundMark x1="5778" y1="73778" x2="24000" y2="92444"/>
+                          <a14:foregroundMark x1="93778" y1="67556" x2="80000" y2="90222"/>
+                          <a14:foregroundMark x1="93778" y1="5333" x2="97333" y2="26667"/>
+                          <a14:backgroundMark x1="62222" y1="53333" x2="58667" y2="50667"/>
+                          <a14:backgroundMark x1="58222" y1="50667" x2="59111" y2="52444"/>
+                          <a14:backgroundMark x1="29778" y1="92889" x2="32889" y2="85778"/>
+                          <a14:backgroundMark x1="55111" y1="19556" x2="55111" y2="24889"/>
+                          <a14:backgroundMark x1="36000" y1="19111" x2="39556" y2="18667"/>
+                          <a14:backgroundMark x1="36444" y1="21333" x2="39556" y2="21333"/>
+                          <a14:backgroundMark x1="36000" y1="24444" x2="40000" y2="24444"/>
+                        </a14:backgroundRemoval>
+                      </a14:imgEffect>
+                    </a14:imgLayer>
+                  </a14:imgProps>
+                </a:ext>
+              </a:extLst>
+            </a:blip>
+            <a:srcRect l="28305"/>
+            <a:stretch/>
+          </p:blipFill>
+          <p:spPr>
+            <a:xfrm>
+              <a:off x="242047" y="16907"/>
+              <a:ext cx="4904717" cy="6841093"/>
+            </a:xfrm>
+            <a:prstGeom prst="rect">
+              <a:avLst/>
+            </a:prstGeom>
+          </p:spPr>
+        </p:pic>
+        <p:pic>
+          <p:nvPicPr>
+            <p:cNvPr id="4" name="Imagen 3"/>
+            <p:cNvPicPr>
+              <a:picLocks noChangeAspect="1"/>
+            </p:cNvPicPr>
+            <p:nvPr/>
+          </p:nvPicPr>
+          <p:blipFill>
+            <a:blip r:embed="rId5"/>
+            <a:stretch>
+              <a:fillRect/>
+            </a:stretch>
+          </p:blipFill>
+          <p:spPr>
+            <a:xfrm>
+              <a:off x="4543039" y="1534117"/>
+              <a:ext cx="2523638" cy="3205298"/>
+            </a:xfrm>
+            <a:prstGeom prst="rect">
+              <a:avLst/>
+            </a:prstGeom>
+          </p:spPr>
+        </p:pic>
+      </p:grpSp>
+      <p:sp>
+        <p:nvSpPr>
+          <p:cNvPr id="2" name="Rectángulo 1"/>
+          <p:cNvSpPr/>
+          <p:nvPr/>
+        </p:nvSpPr>
+        <p:spPr>
           <a:xfrm>
-            <a:off x="5146764" y="-1"/>
-            <a:ext cx="12192000" cy="6858001"/>
+            <a:off x="215153" y="-107576"/>
+            <a:ext cx="13164671" cy="6965576"/>
           </a:xfrm>
           <a:prstGeom prst="rect">
             <a:avLst/>
           </a:prstGeom>
           <a:noFill/>
-          <a:extLst>
-            <a:ext uri="{909E8E84-426E-40DD-AFC4-6F175D3DCCD1}">
-              <a14:hiddenFill xmlns:a14="http://schemas.microsoft.com/office/drawing/2010/main">
-                <a:solidFill>
-                  <a:srgbClr val="FFFFFF"/>
-                </a:solidFill>
-              </a14:hiddenFill>
-            </a:ext>
-          </a:extLst>
         </p:spPr>
-      </p:pic>
-      <p:pic>
-        <p:nvPicPr>
-          <p:cNvPr id="5" name="Imagen 4"/>
-          <p:cNvPicPr>
-            <a:picLocks noChangeAspect="1"/>
-          </p:cNvPicPr>
-          <p:nvPr/>
-        </p:nvPicPr>
-        <p:blipFill>
-          <a:blip r:embed="rId3">
-            <a:extLst>
-              <a:ext uri="{BEBA8EAE-BF5A-486C-A8C5-ECC9F3942E4B}">
-                <a14:imgProps xmlns:a14="http://schemas.microsoft.com/office/drawing/2010/main">
-                  <a14:imgLayer r:embed="rId4">
-                    <a14:imgEffect>
-                      <a14:backgroundRemoval t="0" b="100000" l="0" r="100000">
-                        <a14:foregroundMark x1="59556" y1="43556" x2="61333" y2="38667"/>
-                        <a14:foregroundMark x1="57333" y1="48444" x2="62222" y2="51111"/>
-                        <a14:foregroundMark x1="34222" y1="87111" x2="30222" y2="98667"/>
-                        <a14:foregroundMark x1="4000" y1="4444" x2="6222" y2="41778"/>
-                        <a14:foregroundMark x1="5778" y1="73778" x2="24000" y2="92444"/>
-                        <a14:foregroundMark x1="93778" y1="67556" x2="80000" y2="90222"/>
-                        <a14:foregroundMark x1="93778" y1="5333" x2="97333" y2="26667"/>
-                        <a14:backgroundMark x1="62222" y1="53333" x2="58667" y2="50667"/>
-                        <a14:backgroundMark x1="58222" y1="50667" x2="59111" y2="52444"/>
-                        <a14:backgroundMark x1="29778" y1="92889" x2="32889" y2="85778"/>
-                        <a14:backgroundMark x1="55111" y1="19556" x2="55111" y2="24889"/>
-                        <a14:backgroundMark x1="36000" y1="19111" x2="39556" y2="18667"/>
-                        <a14:backgroundMark x1="36444" y1="21333" x2="39556" y2="21333"/>
-                        <a14:backgroundMark x1="36000" y1="24444" x2="40000" y2="24444"/>
-                      </a14:backgroundRemoval>
-                    </a14:imgEffect>
-                  </a14:imgLayer>
-                </a14:imgProps>
-              </a:ext>
-            </a:extLst>
-          </a:blip>
-          <a:stretch>
-            <a:fillRect/>
-          </a:stretch>
-        </p:blipFill>
-        <p:spPr>
-          <a:xfrm>
-            <a:off x="-1694329" y="16907"/>
-            <a:ext cx="6841093" cy="6841093"/>
-          </a:xfrm>
-          <a:prstGeom prst="rect">
-            <a:avLst/>
-          </a:prstGeom>
-        </p:spPr>
-      </p:pic>
-      <p:pic>
-        <p:nvPicPr>
-          <p:cNvPr id="4" name="Imagen 3"/>
-          <p:cNvPicPr>
-            <a:picLocks noChangeAspect="1"/>
-          </p:cNvPicPr>
-          <p:nvPr/>
-        </p:nvPicPr>
-        <p:blipFill>
-          <a:blip r:embed="rId5"/>
-          <a:stretch>
-            <a:fillRect/>
-          </a:stretch>
-        </p:blipFill>
-        <p:spPr>
-          <a:xfrm>
-            <a:off x="4543039" y="1534117"/>
-            <a:ext cx="2523638" cy="3205298"/>
-          </a:xfrm>
-          <a:prstGeom prst="rect">
-            <a:avLst/>
-          </a:prstGeom>
-        </p:spPr>
-      </p:pic>
+        <p:style>
+          <a:lnRef idx="2">
+            <a:schemeClr val="accent1">
+              <a:shade val="50000"/>
+            </a:schemeClr>
+          </a:lnRef>
+          <a:fillRef idx="1">
+            <a:schemeClr val="accent1"/>
+          </a:fillRef>
+          <a:effectRef idx="0">
+            <a:schemeClr val="accent1"/>
+          </a:effectRef>
+          <a:fontRef idx="minor">
+            <a:schemeClr val="lt1"/>
+          </a:fontRef>
+        </p:style>
+        <p:txBody>
+          <a:bodyPr rtlCol="0" anchor="ctr"/>
+          <a:lstStyle/>
+          <a:p>
+            <a:pPr algn="ctr"/>
+            <a:endParaRPr lang="es-CO"/>
+          </a:p>
+        </p:txBody>
+      </p:sp>
     </p:spTree>
     <p:extLst>
       <p:ext uri="{BB962C8B-B14F-4D97-AF65-F5344CB8AC3E}">
